--- a/distmetric.pptx
+++ b/distmetric.pptx
@@ -7,7 +7,7 @@
   <p:sldIdLst>
     <p:sldId id="257" r:id="rId2"/>
   </p:sldIdLst>
-  <p:sldSz cx="8229600" cy="2743200"/>
+  <p:sldSz cx="8229600" cy="2193925"/>
   <p:notesSz cx="6858000" cy="9144000"/>
   <p:defaultTextStyle>
     <a:defPPr>
@@ -107,7 +107,7 @@
   <p:extLst>
     <p:ext uri="{EFAFB233-063F-42B5-8137-9DF3F51BA10A}">
       <p15:sldGuideLst xmlns:p15="http://schemas.microsoft.com/office/powerpoint/2012/main">
-        <p15:guide id="1" orient="horz" pos="864" userDrawn="1">
+        <p15:guide id="1" orient="horz" pos="691" userDrawn="1">
           <p15:clr>
             <a:srgbClr val="A4A3A4"/>
           </p15:clr>
@@ -152,8 +152,8 @@
         </p:nvSpPr>
         <p:spPr>
           <a:xfrm>
-            <a:off x="617220" y="852171"/>
-            <a:ext cx="6995160" cy="588009"/>
+            <a:off x="617220" y="681540"/>
+            <a:ext cx="6995160" cy="470271"/>
           </a:xfrm>
         </p:spPr>
         <p:txBody>
@@ -179,8 +179,8 @@
         </p:nvSpPr>
         <p:spPr>
           <a:xfrm>
-            <a:off x="1234440" y="1554480"/>
-            <a:ext cx="5760720" cy="701040"/>
+            <a:off x="1234440" y="1243224"/>
+            <a:ext cx="5760720" cy="560670"/>
           </a:xfrm>
         </p:spPr>
         <p:txBody>
@@ -303,7 +303,7 @@
             <a:fld id="{385C14C5-1CFE-4911-8CD9-CC6FA2EA80E0}" type="datetimeFigureOut">
               <a:rPr lang="en-US" smtClean="0"/>
               <a:pPr/>
-              <a:t>10/30/18</a:t>
+              <a:t>11/11/19</a:t>
             </a:fld>
             <a:endParaRPr lang="en-US"/>
           </a:p>
@@ -468,7 +468,7 @@
             <a:fld id="{385C14C5-1CFE-4911-8CD9-CC6FA2EA80E0}" type="datetimeFigureOut">
               <a:rPr lang="en-US" smtClean="0"/>
               <a:pPr/>
-              <a:t>10/30/18</a:t>
+              <a:t>11/11/19</a:t>
             </a:fld>
             <a:endParaRPr lang="en-US"/>
           </a:p>
@@ -554,8 +554,8 @@
         </p:nvSpPr>
         <p:spPr>
           <a:xfrm>
-            <a:off x="5966460" y="109856"/>
-            <a:ext cx="1851660" cy="2340609"/>
+            <a:off x="5966460" y="87860"/>
+            <a:ext cx="1851660" cy="1871945"/>
           </a:xfrm>
         </p:spPr>
         <p:txBody>
@@ -581,8 +581,8 @@
         </p:nvSpPr>
         <p:spPr>
           <a:xfrm>
-            <a:off x="411480" y="109856"/>
-            <a:ext cx="5417820" cy="2340609"/>
+            <a:off x="411480" y="87860"/>
+            <a:ext cx="5417820" cy="1871945"/>
           </a:xfrm>
         </p:spPr>
         <p:txBody>
@@ -643,7 +643,7 @@
             <a:fld id="{385C14C5-1CFE-4911-8CD9-CC6FA2EA80E0}" type="datetimeFigureOut">
               <a:rPr lang="en-US" smtClean="0"/>
               <a:pPr/>
-              <a:t>10/30/18</a:t>
+              <a:t>11/11/19</a:t>
             </a:fld>
             <a:endParaRPr lang="en-US"/>
           </a:p>
@@ -808,7 +808,7 @@
             <a:fld id="{385C14C5-1CFE-4911-8CD9-CC6FA2EA80E0}" type="datetimeFigureOut">
               <a:rPr lang="en-US" smtClean="0"/>
               <a:pPr/>
-              <a:t>10/30/18</a:t>
+              <a:t>11/11/19</a:t>
             </a:fld>
             <a:endParaRPr lang="en-US"/>
           </a:p>
@@ -894,8 +894,8 @@
         </p:nvSpPr>
         <p:spPr>
           <a:xfrm>
-            <a:off x="650082" y="1762761"/>
-            <a:ext cx="6995160" cy="544830"/>
+            <a:off x="650082" y="1409801"/>
+            <a:ext cx="6995160" cy="435738"/>
           </a:xfrm>
         </p:spPr>
         <p:txBody>
@@ -925,8 +925,8 @@
         </p:nvSpPr>
         <p:spPr>
           <a:xfrm>
-            <a:off x="650082" y="1162686"/>
-            <a:ext cx="6995160" cy="600075"/>
+            <a:off x="650082" y="929880"/>
+            <a:ext cx="6995160" cy="479921"/>
           </a:xfrm>
         </p:spPr>
         <p:txBody>
@@ -1050,7 +1050,7 @@
             <a:fld id="{385C14C5-1CFE-4911-8CD9-CC6FA2EA80E0}" type="datetimeFigureOut">
               <a:rPr lang="en-US" smtClean="0"/>
               <a:pPr/>
-              <a:t>10/30/18</a:t>
+              <a:t>11/11/19</a:t>
             </a:fld>
             <a:endParaRPr lang="en-US"/>
           </a:p>
@@ -1158,8 +1158,8 @@
         </p:nvSpPr>
         <p:spPr>
           <a:xfrm>
-            <a:off x="411480" y="640081"/>
-            <a:ext cx="3634740" cy="1810385"/>
+            <a:off x="411480" y="511917"/>
+            <a:ext cx="3634740" cy="1447889"/>
           </a:xfrm>
         </p:spPr>
         <p:txBody>
@@ -1242,8 +1242,8 @@
         </p:nvSpPr>
         <p:spPr>
           <a:xfrm>
-            <a:off x="4183380" y="640081"/>
-            <a:ext cx="3634740" cy="1810385"/>
+            <a:off x="4183380" y="511917"/>
+            <a:ext cx="3634740" cy="1447889"/>
           </a:xfrm>
         </p:spPr>
         <p:txBody>
@@ -1332,7 +1332,7 @@
             <a:fld id="{385C14C5-1CFE-4911-8CD9-CC6FA2EA80E0}" type="datetimeFigureOut">
               <a:rPr lang="en-US" smtClean="0"/>
               <a:pPr/>
-              <a:t>10/30/18</a:t>
+              <a:t>11/11/19</a:t>
             </a:fld>
             <a:endParaRPr lang="en-US"/>
           </a:p>
@@ -1444,8 +1444,8 @@
         </p:nvSpPr>
         <p:spPr>
           <a:xfrm>
-            <a:off x="411480" y="614046"/>
-            <a:ext cx="3636169" cy="255905"/>
+            <a:off x="411481" y="491095"/>
+            <a:ext cx="3636169" cy="204665"/>
           </a:xfrm>
         </p:spPr>
         <p:txBody>
@@ -1509,8 +1509,8 @@
         </p:nvSpPr>
         <p:spPr>
           <a:xfrm>
-            <a:off x="411480" y="869950"/>
-            <a:ext cx="3636169" cy="1580515"/>
+            <a:off x="411481" y="695759"/>
+            <a:ext cx="3636169" cy="1264046"/>
           </a:xfrm>
         </p:spPr>
         <p:txBody>
@@ -1593,8 +1593,8 @@
         </p:nvSpPr>
         <p:spPr>
           <a:xfrm>
-            <a:off x="4180525" y="614046"/>
-            <a:ext cx="3637598" cy="255905"/>
+            <a:off x="4180525" y="491095"/>
+            <a:ext cx="3637598" cy="204665"/>
           </a:xfrm>
         </p:spPr>
         <p:txBody>
@@ -1658,8 +1658,8 @@
         </p:nvSpPr>
         <p:spPr>
           <a:xfrm>
-            <a:off x="4180525" y="869950"/>
-            <a:ext cx="3637598" cy="1580515"/>
+            <a:off x="4180525" y="695759"/>
+            <a:ext cx="3637598" cy="1264046"/>
           </a:xfrm>
         </p:spPr>
         <p:txBody>
@@ -1748,7 +1748,7 @@
             <a:fld id="{385C14C5-1CFE-4911-8CD9-CC6FA2EA80E0}" type="datetimeFigureOut">
               <a:rPr lang="en-US" smtClean="0"/>
               <a:pPr/>
-              <a:t>10/30/18</a:t>
+              <a:t>11/11/19</a:t>
             </a:fld>
             <a:endParaRPr lang="en-US"/>
           </a:p>
@@ -1862,7 +1862,7 @@
             <a:fld id="{385C14C5-1CFE-4911-8CD9-CC6FA2EA80E0}" type="datetimeFigureOut">
               <a:rPr lang="en-US" smtClean="0"/>
               <a:pPr/>
-              <a:t>10/30/18</a:t>
+              <a:t>11/11/19</a:t>
             </a:fld>
             <a:endParaRPr lang="en-US"/>
           </a:p>
@@ -1954,7 +1954,7 @@
             <a:fld id="{385C14C5-1CFE-4911-8CD9-CC6FA2EA80E0}" type="datetimeFigureOut">
               <a:rPr lang="en-US" smtClean="0"/>
               <a:pPr/>
-              <a:t>10/30/18</a:t>
+              <a:t>11/11/19</a:t>
             </a:fld>
             <a:endParaRPr lang="en-US"/>
           </a:p>
@@ -2040,8 +2040,8 @@
         </p:nvSpPr>
         <p:spPr>
           <a:xfrm>
-            <a:off x="411483" y="109221"/>
-            <a:ext cx="2707482" cy="464820"/>
+            <a:off x="411483" y="87352"/>
+            <a:ext cx="2707482" cy="371748"/>
           </a:xfrm>
         </p:spPr>
         <p:txBody>
@@ -2071,8 +2071,8 @@
         </p:nvSpPr>
         <p:spPr>
           <a:xfrm>
-            <a:off x="3217545" y="109220"/>
-            <a:ext cx="4600575" cy="2341245"/>
+            <a:off x="3217546" y="87351"/>
+            <a:ext cx="4600575" cy="1872454"/>
           </a:xfrm>
         </p:spPr>
         <p:txBody>
@@ -2155,8 +2155,8 @@
         </p:nvSpPr>
         <p:spPr>
           <a:xfrm>
-            <a:off x="411483" y="574040"/>
-            <a:ext cx="2707482" cy="1876425"/>
+            <a:off x="411483" y="459099"/>
+            <a:ext cx="2707482" cy="1500706"/>
           </a:xfrm>
         </p:spPr>
         <p:txBody>
@@ -2226,7 +2226,7 @@
             <a:fld id="{385C14C5-1CFE-4911-8CD9-CC6FA2EA80E0}" type="datetimeFigureOut">
               <a:rPr lang="en-US" smtClean="0"/>
               <a:pPr/>
-              <a:t>10/30/18</a:t>
+              <a:t>11/11/19</a:t>
             </a:fld>
             <a:endParaRPr lang="en-US"/>
           </a:p>
@@ -2312,8 +2312,8 @@
         </p:nvSpPr>
         <p:spPr>
           <a:xfrm>
-            <a:off x="1613059" y="1920241"/>
-            <a:ext cx="4937760" cy="226695"/>
+            <a:off x="1613059" y="1535748"/>
+            <a:ext cx="4937760" cy="181304"/>
           </a:xfrm>
         </p:spPr>
         <p:txBody>
@@ -2343,8 +2343,8 @@
         </p:nvSpPr>
         <p:spPr>
           <a:xfrm>
-            <a:off x="1613059" y="245109"/>
-            <a:ext cx="4937760" cy="1645920"/>
+            <a:off x="1613059" y="196030"/>
+            <a:ext cx="4937760" cy="1316355"/>
           </a:xfrm>
         </p:spPr>
         <p:txBody>
@@ -2404,8 +2404,8 @@
         </p:nvSpPr>
         <p:spPr>
           <a:xfrm>
-            <a:off x="1613059" y="2146935"/>
-            <a:ext cx="4937760" cy="321945"/>
+            <a:off x="1613059" y="1717052"/>
+            <a:ext cx="4937760" cy="257481"/>
           </a:xfrm>
         </p:spPr>
         <p:txBody>
@@ -2475,7 +2475,7 @@
             <a:fld id="{385C14C5-1CFE-4911-8CD9-CC6FA2EA80E0}" type="datetimeFigureOut">
               <a:rPr lang="en-US" smtClean="0"/>
               <a:pPr/>
-              <a:t>10/30/18</a:t>
+              <a:t>11/11/19</a:t>
             </a:fld>
             <a:endParaRPr lang="en-US"/>
           </a:p>
@@ -2566,8 +2566,8 @@
         </p:nvSpPr>
         <p:spPr>
           <a:xfrm>
-            <a:off x="411480" y="109855"/>
-            <a:ext cx="7406640" cy="457200"/>
+            <a:off x="411480" y="87859"/>
+            <a:ext cx="7406640" cy="365654"/>
           </a:xfrm>
           <a:prstGeom prst="rect">
             <a:avLst/>
@@ -2598,8 +2598,8 @@
         </p:nvSpPr>
         <p:spPr>
           <a:xfrm>
-            <a:off x="411480" y="640081"/>
-            <a:ext cx="7406640" cy="1810385"/>
+            <a:off x="411480" y="511917"/>
+            <a:ext cx="7406640" cy="1447889"/>
           </a:xfrm>
           <a:prstGeom prst="rect">
             <a:avLst/>
@@ -2659,8 +2659,8 @@
         </p:nvSpPr>
         <p:spPr>
           <a:xfrm>
-            <a:off x="411480" y="2542541"/>
-            <a:ext cx="1920240" cy="146049"/>
+            <a:off x="411480" y="2033445"/>
+            <a:ext cx="1920240" cy="116805"/>
           </a:xfrm>
           <a:prstGeom prst="rect">
             <a:avLst/>
@@ -2683,7 +2683,7 @@
             <a:fld id="{385C14C5-1CFE-4911-8CD9-CC6FA2EA80E0}" type="datetimeFigureOut">
               <a:rPr lang="en-US" smtClean="0"/>
               <a:pPr/>
-              <a:t>10/30/18</a:t>
+              <a:t>11/11/19</a:t>
             </a:fld>
             <a:endParaRPr lang="en-US"/>
           </a:p>
@@ -2701,8 +2701,8 @@
         </p:nvSpPr>
         <p:spPr>
           <a:xfrm>
-            <a:off x="2811780" y="2542541"/>
-            <a:ext cx="2606040" cy="146049"/>
+            <a:off x="2811780" y="2033445"/>
+            <a:ext cx="2606040" cy="116805"/>
           </a:xfrm>
           <a:prstGeom prst="rect">
             <a:avLst/>
@@ -2738,8 +2738,8 @@
         </p:nvSpPr>
         <p:spPr>
           <a:xfrm>
-            <a:off x="5897880" y="2542541"/>
-            <a:ext cx="1920240" cy="146049"/>
+            <a:off x="5897880" y="2033445"/>
+            <a:ext cx="1920240" cy="116805"/>
           </a:xfrm>
           <a:prstGeom prst="rect">
             <a:avLst/>
@@ -3062,8 +3062,8 @@
         </p:nvSpPr>
         <p:spPr>
           <a:xfrm>
-            <a:off x="472440" y="213360"/>
-            <a:ext cx="2057400" cy="960120"/>
+            <a:off x="472440" y="243522"/>
+            <a:ext cx="2057400" cy="624840"/>
           </a:xfrm>
           <a:prstGeom prst="rect">
             <a:avLst/>
@@ -3107,7 +3107,18 @@
             </a:r>
           </a:p>
           <a:p>
-            <a:pPr algn="ctr"/>
+            <a:pPr marL="171450" indent="-171450" algn="ctr">
+              <a:buFont typeface="Symbol" pitchFamily="2" charset="2"/>
+              <a:buChar char="Þ"/>
+            </a:pPr>
+            <a:r>
+              <a:rPr lang="en-US" sz="840" dirty="0">
+                <a:solidFill>
+                  <a:schemeClr val="tx1"/>
+                </a:solidFill>
+              </a:rPr>
+              <a:t>(statement deletion)</a:t>
+            </a:r>
             <a:endParaRPr lang="en-US" sz="840" b="1" dirty="0">
               <a:solidFill>
                 <a:schemeClr val="tx1"/>
@@ -3115,31 +3126,6 @@
             </a:endParaRPr>
           </a:p>
           <a:p>
-            <a:pPr marL="171450" indent="-171450" algn="ctr">
-              <a:buFont typeface="Symbol" pitchFamily="2" charset="2"/>
-              <a:buChar char="Þ"/>
-            </a:pPr>
-            <a:r>
-              <a:rPr lang="en-US" sz="840" dirty="0">
-                <a:solidFill>
-                  <a:schemeClr val="tx1"/>
-                </a:solidFill>
-              </a:rPr>
-              <a:t>(statement deletion)</a:t>
-            </a:r>
-          </a:p>
-          <a:p>
-            <a:pPr marL="171450" indent="-171450" algn="ctr">
-              <a:buFont typeface="Symbol" pitchFamily="2" charset="2"/>
-              <a:buChar char="Þ"/>
-            </a:pPr>
-            <a:endParaRPr lang="en-US" sz="840" b="1" dirty="0">
-              <a:solidFill>
-                <a:schemeClr val="tx1"/>
-              </a:solidFill>
-            </a:endParaRPr>
-          </a:p>
-          <a:p>
             <a:pPr algn="ctr"/>
             <a:r>
               <a:rPr lang="en-US" sz="840" b="1" dirty="0">
@@ -3149,14 +3135,6 @@
               </a:rPr>
               <a:t>/* LOG(WARNING, “no config file”); */</a:t>
             </a:r>
-          </a:p>
-          <a:p>
-            <a:pPr algn="ctr"/>
-            <a:endParaRPr lang="en-US" sz="840" b="1" dirty="0">
-              <a:solidFill>
-                <a:schemeClr val="tx1"/>
-              </a:solidFill>
-            </a:endParaRPr>
           </a:p>
         </p:txBody>
       </p:sp>
@@ -3174,8 +3152,8 @@
         </p:nvSpPr>
         <p:spPr>
           <a:xfrm>
-            <a:off x="472440" y="1518139"/>
-            <a:ext cx="2057400" cy="960120"/>
+            <a:off x="474979" y="1310323"/>
+            <a:ext cx="2057400" cy="624840"/>
           </a:xfrm>
           <a:prstGeom prst="rect">
             <a:avLst/>
@@ -3283,14 +3261,6 @@
             </a:r>
           </a:p>
           <a:p>
-            <a:pPr algn="ctr"/>
-            <a:endParaRPr lang="en-US" sz="840" b="1" dirty="0">
-              <a:solidFill>
-                <a:schemeClr val="tx1"/>
-              </a:solidFill>
-            </a:endParaRPr>
-          </a:p>
-          <a:p>
             <a:pPr marL="171450" indent="-171450" algn="ctr">
               <a:buFont typeface="Symbol" pitchFamily="2" charset="2"/>
               <a:buChar char="Þ"/>
@@ -3303,12 +3273,6 @@
               </a:rPr>
               <a:t>(replace with constant)</a:t>
             </a:r>
-          </a:p>
-          <a:p>
-            <a:pPr marL="171450" indent="-171450" algn="ctr">
-              <a:buFont typeface="Symbol" pitchFamily="2" charset="2"/>
-              <a:buChar char="Þ"/>
-            </a:pPr>
             <a:endParaRPr lang="en-US" sz="840" b="1" dirty="0">
               <a:solidFill>
                 <a:prstClr val="black"/>
@@ -3406,8 +3370,8 @@
         </p:nvSpPr>
         <p:spPr>
           <a:xfrm>
-            <a:off x="3078480" y="213360"/>
-            <a:ext cx="2057400" cy="960120"/>
+            <a:off x="3078480" y="243522"/>
+            <a:ext cx="2057400" cy="624840"/>
           </a:xfrm>
           <a:prstGeom prst="rect">
             <a:avLst/>
@@ -3451,14 +3415,6 @@
             </a:r>
           </a:p>
           <a:p>
-            <a:pPr algn="ctr"/>
-            <a:endParaRPr lang="en-US" sz="840" b="1" dirty="0">
-              <a:solidFill>
-                <a:schemeClr val="tx1"/>
-              </a:solidFill>
-            </a:endParaRPr>
-          </a:p>
-          <a:p>
             <a:pPr marL="171450" indent="-171450" algn="ctr">
               <a:buFont typeface="Symbol" pitchFamily="2" charset="2"/>
               <a:buChar char="Þ"/>
@@ -3471,12 +3427,6 @@
               </a:rPr>
               <a:t>(replace with constant)</a:t>
             </a:r>
-          </a:p>
-          <a:p>
-            <a:pPr marL="171450" indent="-171450" algn="ctr">
-              <a:buFont typeface="Symbol" pitchFamily="2" charset="2"/>
-              <a:buChar char="Þ"/>
-            </a:pPr>
             <a:endParaRPr lang="en-US" sz="840" b="1" dirty="0">
               <a:solidFill>
                 <a:schemeClr val="tx1"/>
@@ -3510,8 +3460,8 @@
         </p:nvSpPr>
         <p:spPr>
           <a:xfrm>
-            <a:off x="3078481" y="1518139"/>
-            <a:ext cx="2057400" cy="960120"/>
+            <a:off x="3078480" y="1310323"/>
+            <a:ext cx="2057400" cy="624840"/>
           </a:xfrm>
           <a:prstGeom prst="rect">
             <a:avLst/>
@@ -3619,14 +3569,6 @@
             </a:r>
           </a:p>
           <a:p>
-            <a:pPr algn="ctr"/>
-            <a:endParaRPr lang="en-US" sz="840" b="1" dirty="0">
-              <a:solidFill>
-                <a:schemeClr val="tx1"/>
-              </a:solidFill>
-            </a:endParaRPr>
-          </a:p>
-          <a:p>
             <a:pPr marL="171450" indent="-171450" algn="ctr">
               <a:buFont typeface="Symbol" pitchFamily="2" charset="2"/>
               <a:buChar char="Þ"/>
@@ -3639,12 +3581,6 @@
               </a:rPr>
               <a:t>(increment constant)</a:t>
             </a:r>
-          </a:p>
-          <a:p>
-            <a:pPr marL="171450" indent="-171450" algn="ctr">
-              <a:buFont typeface="Symbol" pitchFamily="2" charset="2"/>
-              <a:buChar char="Þ"/>
-            </a:pPr>
             <a:endParaRPr lang="en-US" sz="840" b="1" dirty="0">
               <a:solidFill>
                 <a:prstClr val="black"/>
@@ -3742,8 +3678,8 @@
         </p:nvSpPr>
         <p:spPr>
           <a:xfrm>
-            <a:off x="381000" y="76200"/>
-            <a:ext cx="2240280" cy="2514600"/>
+            <a:off x="381000" y="106362"/>
+            <a:ext cx="2240280" cy="1981200"/>
           </a:xfrm>
           <a:prstGeom prst="rect">
             <a:avLst/>
@@ -3810,8 +3746,8 @@
         </p:nvSpPr>
         <p:spPr>
           <a:xfrm>
-            <a:off x="2987040" y="76652"/>
-            <a:ext cx="2240280" cy="2514600"/>
+            <a:off x="2987040" y="106814"/>
+            <a:ext cx="2240280" cy="1980748"/>
           </a:xfrm>
           <a:prstGeom prst="rect">
             <a:avLst/>
@@ -3873,8 +3809,8 @@
         </p:nvSpPr>
         <p:spPr>
           <a:xfrm>
-            <a:off x="5684520" y="212908"/>
-            <a:ext cx="2057400" cy="960120"/>
+            <a:off x="5684520" y="243070"/>
+            <a:ext cx="2057400" cy="625292"/>
           </a:xfrm>
           <a:prstGeom prst="rect">
             <a:avLst/>
@@ -3918,14 +3854,6 @@
             </a:r>
           </a:p>
           <a:p>
-            <a:pPr algn="ctr"/>
-            <a:endParaRPr lang="en-US" sz="840" b="1" dirty="0">
-              <a:solidFill>
-                <a:schemeClr val="tx1"/>
-              </a:solidFill>
-            </a:endParaRPr>
-          </a:p>
-          <a:p>
             <a:pPr marL="171450" indent="-171450" algn="ctr">
               <a:buFont typeface="Symbol" pitchFamily="2" charset="2"/>
               <a:buChar char="Þ"/>
@@ -3938,12 +3866,6 @@
               </a:rPr>
               <a:t>(statement deletion)</a:t>
             </a:r>
-          </a:p>
-          <a:p>
-            <a:pPr marL="171450" indent="-171450" algn="ctr">
-              <a:buFont typeface="Symbol" pitchFamily="2" charset="2"/>
-              <a:buChar char="Þ"/>
-            </a:pPr>
             <a:endParaRPr lang="en-US" sz="840" b="1" dirty="0">
               <a:solidFill>
                 <a:schemeClr val="tx1"/>
@@ -3977,8 +3899,8 @@
         </p:nvSpPr>
         <p:spPr>
           <a:xfrm>
-            <a:off x="5684521" y="1517687"/>
-            <a:ext cx="2057400" cy="960120"/>
+            <a:off x="5684521" y="1310324"/>
+            <a:ext cx="2057400" cy="624840"/>
           </a:xfrm>
           <a:prstGeom prst="rect">
             <a:avLst/>
@@ -4022,14 +3944,6 @@
             </a:r>
           </a:p>
           <a:p>
-            <a:pPr algn="ctr"/>
-            <a:endParaRPr lang="en-US" sz="840" b="1" dirty="0">
-              <a:solidFill>
-                <a:schemeClr val="tx1"/>
-              </a:solidFill>
-            </a:endParaRPr>
-          </a:p>
-          <a:p>
             <a:pPr marL="171450" indent="-171450" algn="ctr">
               <a:buFont typeface="Symbol" pitchFamily="2" charset="2"/>
               <a:buChar char="Þ"/>
@@ -4042,12 +3956,6 @@
               </a:rPr>
               <a:t>(statement deletion)</a:t>
             </a:r>
-          </a:p>
-          <a:p>
-            <a:pPr marL="171450" indent="-171450" algn="ctr">
-              <a:buFont typeface="Symbol" pitchFamily="2" charset="2"/>
-              <a:buChar char="Þ"/>
-            </a:pPr>
             <a:endParaRPr lang="en-US" sz="840" b="1" dirty="0">
               <a:solidFill>
                 <a:schemeClr val="tx1"/>
@@ -4081,8 +3989,8 @@
         </p:nvSpPr>
         <p:spPr>
           <a:xfrm>
-            <a:off x="5593080" y="76200"/>
-            <a:ext cx="2240280" cy="2514600"/>
+            <a:off x="5593080" y="106362"/>
+            <a:ext cx="2240280" cy="1980748"/>
           </a:xfrm>
           <a:prstGeom prst="rect">
             <a:avLst/>
